--- a/figures/figures.pptx
+++ b/figures/figures.pptx
@@ -7,6 +7,8 @@
   <p:sldIdLst>
     <p:sldId id="256" r:id="rId2"/>
     <p:sldId id="257" r:id="rId3"/>
+    <p:sldId id="258" r:id="rId4"/>
+    <p:sldId id="259" r:id="rId5"/>
   </p:sldIdLst>
   <p:sldSz cx="9144000" cy="6858000" type="screen4x3"/>
   <p:notesSz cx="6858000" cy="9144000"/>
@@ -289,7 +291,7 @@
           <a:p>
             <a:fld id="{F06291A5-0CD8-634C-8AE2-4712F51067EB}" type="datetimeFigureOut">
               <a:rPr lang="en-US" smtClean="0"/>
-              <a:t>4/12/16</a:t>
+              <a:t>7/20/16</a:t>
             </a:fld>
             <a:endParaRPr lang="en-US"/>
           </a:p>
@@ -459,7 +461,7 @@
           <a:p>
             <a:fld id="{F06291A5-0CD8-634C-8AE2-4712F51067EB}" type="datetimeFigureOut">
               <a:rPr lang="en-US" smtClean="0"/>
-              <a:t>4/12/16</a:t>
+              <a:t>7/20/16</a:t>
             </a:fld>
             <a:endParaRPr lang="en-US"/>
           </a:p>
@@ -639,7 +641,7 @@
           <a:p>
             <a:fld id="{F06291A5-0CD8-634C-8AE2-4712F51067EB}" type="datetimeFigureOut">
               <a:rPr lang="en-US" smtClean="0"/>
-              <a:t>4/12/16</a:t>
+              <a:t>7/20/16</a:t>
             </a:fld>
             <a:endParaRPr lang="en-US"/>
           </a:p>
@@ -809,7 +811,7 @@
           <a:p>
             <a:fld id="{F06291A5-0CD8-634C-8AE2-4712F51067EB}" type="datetimeFigureOut">
               <a:rPr lang="en-US" smtClean="0"/>
-              <a:t>4/12/16</a:t>
+              <a:t>7/20/16</a:t>
             </a:fld>
             <a:endParaRPr lang="en-US"/>
           </a:p>
@@ -1055,7 +1057,7 @@
           <a:p>
             <a:fld id="{F06291A5-0CD8-634C-8AE2-4712F51067EB}" type="datetimeFigureOut">
               <a:rPr lang="en-US" smtClean="0"/>
-              <a:t>4/12/16</a:t>
+              <a:t>7/20/16</a:t>
             </a:fld>
             <a:endParaRPr lang="en-US"/>
           </a:p>
@@ -1343,7 +1345,7 @@
           <a:p>
             <a:fld id="{F06291A5-0CD8-634C-8AE2-4712F51067EB}" type="datetimeFigureOut">
               <a:rPr lang="en-US" smtClean="0"/>
-              <a:t>4/12/16</a:t>
+              <a:t>7/20/16</a:t>
             </a:fld>
             <a:endParaRPr lang="en-US"/>
           </a:p>
@@ -1765,7 +1767,7 @@
           <a:p>
             <a:fld id="{F06291A5-0CD8-634C-8AE2-4712F51067EB}" type="datetimeFigureOut">
               <a:rPr lang="en-US" smtClean="0"/>
-              <a:t>4/12/16</a:t>
+              <a:t>7/20/16</a:t>
             </a:fld>
             <a:endParaRPr lang="en-US"/>
           </a:p>
@@ -1883,7 +1885,7 @@
           <a:p>
             <a:fld id="{F06291A5-0CD8-634C-8AE2-4712F51067EB}" type="datetimeFigureOut">
               <a:rPr lang="en-US" smtClean="0"/>
-              <a:t>4/12/16</a:t>
+              <a:t>7/20/16</a:t>
             </a:fld>
             <a:endParaRPr lang="en-US"/>
           </a:p>
@@ -1978,7 +1980,7 @@
           <a:p>
             <a:fld id="{F06291A5-0CD8-634C-8AE2-4712F51067EB}" type="datetimeFigureOut">
               <a:rPr lang="en-US" smtClean="0"/>
-              <a:t>4/12/16</a:t>
+              <a:t>7/20/16</a:t>
             </a:fld>
             <a:endParaRPr lang="en-US"/>
           </a:p>
@@ -2255,7 +2257,7 @@
           <a:p>
             <a:fld id="{F06291A5-0CD8-634C-8AE2-4712F51067EB}" type="datetimeFigureOut">
               <a:rPr lang="en-US" smtClean="0"/>
-              <a:t>4/12/16</a:t>
+              <a:t>7/20/16</a:t>
             </a:fld>
             <a:endParaRPr lang="en-US"/>
           </a:p>
@@ -2508,7 +2510,7 @@
           <a:p>
             <a:fld id="{F06291A5-0CD8-634C-8AE2-4712F51067EB}" type="datetimeFigureOut">
               <a:rPr lang="en-US" smtClean="0"/>
-              <a:t>4/12/16</a:t>
+              <a:t>7/20/16</a:t>
             </a:fld>
             <a:endParaRPr lang="en-US"/>
           </a:p>
@@ -2721,7 +2723,7 @@
           <a:p>
             <a:fld id="{F06291A5-0CD8-634C-8AE2-4712F51067EB}" type="datetimeFigureOut">
               <a:rPr lang="en-US" smtClean="0"/>
-              <a:t>4/12/16</a:t>
+              <a:t>7/20/16</a:t>
             </a:fld>
             <a:endParaRPr lang="en-US"/>
           </a:p>
@@ -3830,201 +3832,64 @@
           <a:chExt cx="0" cy="0"/>
         </a:xfrm>
       </p:grpSpPr>
-      <p:grpSp>
-        <p:nvGrpSpPr>
-          <p:cNvPr id="12" name="Group 11"/>
-          <p:cNvGrpSpPr/>
+      <p:pic>
+        <p:nvPicPr>
+          <p:cNvPr id="6" name="Picture 5" descr="Screen Shot 2016-04-13 at 1.43.07 AM.png"/>
+          <p:cNvPicPr>
+            <a:picLocks noChangeAspect="1"/>
+          </p:cNvPicPr>
           <p:nvPr/>
-        </p:nvGrpSpPr>
-        <p:grpSpPr>
+        </p:nvPicPr>
+        <p:blipFill rotWithShape="1">
+          <a:blip r:embed="rId2">
+            <a:extLst>
+              <a:ext uri="{28A0092B-C50C-407E-A947-70E740481C1C}">
+                <a14:useLocalDpi xmlns:a14="http://schemas.microsoft.com/office/drawing/2010/main" val="0"/>
+              </a:ext>
+            </a:extLst>
+          </a:blip>
+          <a:srcRect l="4907" t="9193" r="56852" b="63522"/>
+          <a:stretch/>
+        </p:blipFill>
+        <p:spPr>
           <a:xfrm>
-            <a:off x="854980" y="2062205"/>
-            <a:ext cx="4529820" cy="749882"/>
-            <a:chOff x="854980" y="2062205"/>
-            <a:chExt cx="4529820" cy="749882"/>
+            <a:off x="1938815" y="1253067"/>
+            <a:ext cx="3496787" cy="198134"/>
           </a:xfrm>
-        </p:grpSpPr>
-        <p:pic>
-          <p:nvPicPr>
-            <p:cNvPr id="6" name="Picture 5" descr="Screen Shot 2016-04-13 at 1.43.07 AM.png"/>
-            <p:cNvPicPr>
-              <a:picLocks noChangeAspect="1"/>
-            </p:cNvPicPr>
-            <p:nvPr/>
-          </p:nvPicPr>
-          <p:blipFill rotWithShape="1">
-            <a:blip r:embed="rId2">
-              <a:extLst>
-                <a:ext uri="{28A0092B-C50C-407E-A947-70E740481C1C}">
-                  <a14:useLocalDpi xmlns:a14="http://schemas.microsoft.com/office/drawing/2010/main" val="0"/>
-                </a:ext>
-              </a:extLst>
-            </a:blip>
-            <a:srcRect l="4907" t="9193" r="56852" b="63522"/>
-            <a:stretch/>
-          </p:blipFill>
-          <p:spPr>
-            <a:xfrm>
-              <a:off x="1888013" y="2125134"/>
-              <a:ext cx="3496787" cy="198134"/>
-            </a:xfrm>
-            <a:prstGeom prst="rect">
-              <a:avLst/>
-            </a:prstGeom>
-          </p:spPr>
-        </p:pic>
-        <p:pic>
-          <p:nvPicPr>
-            <p:cNvPr id="7" name="Picture 6" descr="Screen Shot 2016-04-13 at 1.43.07 AM.png"/>
-            <p:cNvPicPr>
-              <a:picLocks noChangeAspect="1"/>
-            </p:cNvPicPr>
-            <p:nvPr/>
-          </p:nvPicPr>
-          <p:blipFill rotWithShape="1">
-            <a:blip r:embed="rId2">
-              <a:extLst>
-                <a:ext uri="{28A0092B-C50C-407E-A947-70E740481C1C}">
-                  <a14:useLocalDpi xmlns:a14="http://schemas.microsoft.com/office/drawing/2010/main" val="0"/>
-                </a:ext>
-              </a:extLst>
-            </a:blip>
-            <a:srcRect l="58796" t="4587" r="3713" b="39373"/>
-            <a:stretch/>
-          </p:blipFill>
-          <p:spPr>
-            <a:xfrm>
-              <a:off x="1938815" y="2417800"/>
-              <a:ext cx="3318985" cy="393992"/>
-            </a:xfrm>
-            <a:prstGeom prst="rect">
-              <a:avLst/>
-            </a:prstGeom>
-          </p:spPr>
-        </p:pic>
-        <p:sp>
-          <p:nvSpPr>
-            <p:cNvPr id="9" name="Rounded Rectangle 8"/>
-            <p:cNvSpPr/>
-            <p:nvPr/>
-          </p:nvSpPr>
-          <p:spPr>
-            <a:xfrm>
-              <a:off x="854980" y="2062205"/>
-              <a:ext cx="1024622" cy="261062"/>
-            </a:xfrm>
-            <a:prstGeom prst="roundRect">
-              <a:avLst/>
-            </a:prstGeom>
-            <a:noFill/>
-            <a:ln>
-              <a:solidFill>
-                <a:srgbClr val="000000"/>
-              </a:solidFill>
-            </a:ln>
-            <a:effectLst/>
-          </p:spPr>
-          <p:style>
-            <a:lnRef idx="1">
-              <a:schemeClr val="accent1"/>
-            </a:lnRef>
-            <a:fillRef idx="3">
-              <a:schemeClr val="accent1"/>
-            </a:fillRef>
-            <a:effectRef idx="2">
-              <a:schemeClr val="accent1"/>
-            </a:effectRef>
-            <a:fontRef idx="minor">
-              <a:schemeClr val="lt1"/>
-            </a:fontRef>
-          </p:style>
-          <p:txBody>
-            <a:bodyPr rtlCol="0" anchor="ctr"/>
-            <a:lstStyle/>
-            <a:p>
-              <a:pPr algn="ctr"/>
-              <a:r>
-                <a:rPr lang="en-US" sz="1100" dirty="0" smtClean="0">
-                  <a:solidFill>
-                    <a:srgbClr val="000000"/>
-                  </a:solidFill>
-                  <a:latin typeface="Arial"/>
-                  <a:cs typeface="Arial"/>
-                </a:rPr>
-                <a:t>Master-script</a:t>
-              </a:r>
-              <a:endParaRPr lang="en-US" sz="1100" dirty="0">
-                <a:solidFill>
-                  <a:srgbClr val="000000"/>
-                </a:solidFill>
-                <a:latin typeface="Arial"/>
-                <a:cs typeface="Arial"/>
-              </a:endParaRPr>
-            </a:p>
-          </p:txBody>
-        </p:sp>
-        <p:sp>
-          <p:nvSpPr>
-            <p:cNvPr id="10" name="Rounded Rectangle 9"/>
-            <p:cNvSpPr/>
-            <p:nvPr/>
-          </p:nvSpPr>
-          <p:spPr>
-            <a:xfrm>
-              <a:off x="854980" y="2433030"/>
-              <a:ext cx="1024622" cy="379057"/>
-            </a:xfrm>
-            <a:prstGeom prst="roundRect">
-              <a:avLst/>
-            </a:prstGeom>
-            <a:noFill/>
-            <a:ln>
-              <a:solidFill>
-                <a:srgbClr val="000000"/>
-              </a:solidFill>
-            </a:ln>
-            <a:effectLst/>
-          </p:spPr>
-          <p:style>
-            <a:lnRef idx="1">
-              <a:schemeClr val="accent1"/>
-            </a:lnRef>
-            <a:fillRef idx="3">
-              <a:schemeClr val="accent1"/>
-            </a:fillRef>
-            <a:effectRef idx="2">
-              <a:schemeClr val="accent1"/>
-            </a:effectRef>
-            <a:fontRef idx="minor">
-              <a:schemeClr val="lt1"/>
-            </a:fontRef>
-          </p:style>
-          <p:txBody>
-            <a:bodyPr rtlCol="0" anchor="ctr"/>
-            <a:lstStyle/>
-            <a:p>
-              <a:pPr algn="ctr"/>
-              <a:r>
-                <a:rPr lang="en-US" sz="1100" dirty="0" smtClean="0">
-                  <a:solidFill>
-                    <a:srgbClr val="000000"/>
-                  </a:solidFill>
-                  <a:latin typeface="Arial"/>
-                  <a:cs typeface="Arial"/>
-                </a:rPr>
-                <a:t>Audio Transcript</a:t>
-              </a:r>
-              <a:endParaRPr lang="en-US" sz="1100" dirty="0">
-                <a:solidFill>
-                  <a:srgbClr val="000000"/>
-                </a:solidFill>
-                <a:latin typeface="Arial"/>
-                <a:cs typeface="Arial"/>
-              </a:endParaRPr>
-            </a:p>
-          </p:txBody>
-        </p:sp>
-      </p:grpSp>
+          <a:prstGeom prst="rect">
+            <a:avLst/>
+          </a:prstGeom>
+        </p:spPr>
+      </p:pic>
+      <p:pic>
+        <p:nvPicPr>
+          <p:cNvPr id="7" name="Picture 6" descr="Screen Shot 2016-04-13 at 1.43.07 AM.png"/>
+          <p:cNvPicPr>
+            <a:picLocks noChangeAspect="1"/>
+          </p:cNvPicPr>
+          <p:nvPr/>
+        </p:nvPicPr>
+        <p:blipFill rotWithShape="1">
+          <a:blip r:embed="rId2">
+            <a:extLst>
+              <a:ext uri="{28A0092B-C50C-407E-A947-70E740481C1C}">
+                <a14:useLocalDpi xmlns:a14="http://schemas.microsoft.com/office/drawing/2010/main" val="0"/>
+              </a:ext>
+            </a:extLst>
+          </a:blip>
+          <a:srcRect l="58796" t="4587" r="3713" b="39373"/>
+          <a:stretch/>
+        </p:blipFill>
+        <p:spPr>
+          <a:xfrm>
+            <a:off x="1938815" y="2417800"/>
+            <a:ext cx="3318985" cy="393992"/>
+          </a:xfrm>
+          <a:prstGeom prst="rect">
+            <a:avLst/>
+          </a:prstGeom>
+        </p:spPr>
+      </p:pic>
       <p:grpSp>
         <p:nvGrpSpPr>
           <p:cNvPr id="13" name="Group 12"/>
@@ -4130,10 +3995,2014 @@
           </p:txBody>
         </p:sp>
       </p:grpSp>
+      <p:sp>
+        <p:nvSpPr>
+          <p:cNvPr id="14" name="TextBox 13"/>
+          <p:cNvSpPr txBox="1"/>
+          <p:nvPr/>
+        </p:nvSpPr>
+        <p:spPr>
+          <a:xfrm>
+            <a:off x="1962846" y="2824699"/>
+            <a:ext cx="5211683" cy="261610"/>
+          </a:xfrm>
+          <a:prstGeom prst="rect">
+            <a:avLst/>
+          </a:prstGeom>
+          <a:noFill/>
+        </p:spPr>
+        <p:txBody>
+          <a:bodyPr wrap="none" rtlCol="0">
+            <a:spAutoFit/>
+          </a:bodyPr>
+          <a:lstStyle/>
+          <a:p>
+            <a:r>
+              <a:rPr lang="en-US" sz="1100" dirty="0" smtClean="0">
+                <a:latin typeface="Times"/>
+                <a:cs typeface="Times"/>
+              </a:rPr>
+              <a:t>Most Existing tools typically treat the script and the audio as completely separate entities.</a:t>
+            </a:r>
+            <a:endParaRPr lang="en-US" sz="1100" dirty="0">
+              <a:latin typeface="Times"/>
+              <a:cs typeface="Times"/>
+            </a:endParaRPr>
+          </a:p>
+        </p:txBody>
+      </p:sp>
+      <p:grpSp>
+        <p:nvGrpSpPr>
+          <p:cNvPr id="22" name="Group 21"/>
+          <p:cNvGrpSpPr/>
+          <p:nvPr/>
+        </p:nvGrpSpPr>
+        <p:grpSpPr>
+          <a:xfrm>
+            <a:off x="1107559" y="4860569"/>
+            <a:ext cx="4717472" cy="674227"/>
+            <a:chOff x="1107559" y="4860569"/>
+            <a:chExt cx="4717472" cy="674227"/>
+          </a:xfrm>
+        </p:grpSpPr>
+        <p:sp>
+          <p:nvSpPr>
+            <p:cNvPr id="20" name="Rectangle 19"/>
+            <p:cNvSpPr/>
+            <p:nvPr/>
+          </p:nvSpPr>
+          <p:spPr>
+            <a:xfrm>
+              <a:off x="2218270" y="5324916"/>
+              <a:ext cx="149349" cy="164592"/>
+            </a:xfrm>
+            <a:prstGeom prst="rect">
+              <a:avLst/>
+            </a:prstGeom>
+            <a:solidFill>
+              <a:srgbClr val="66CCFF"/>
+            </a:solidFill>
+            <a:ln>
+              <a:noFill/>
+            </a:ln>
+            <a:effectLst/>
+          </p:spPr>
+          <p:style>
+            <a:lnRef idx="1">
+              <a:schemeClr val="accent1"/>
+            </a:lnRef>
+            <a:fillRef idx="3">
+              <a:schemeClr val="accent1"/>
+            </a:fillRef>
+            <a:effectRef idx="2">
+              <a:schemeClr val="accent1"/>
+            </a:effectRef>
+            <a:fontRef idx="minor">
+              <a:schemeClr val="lt1"/>
+            </a:fontRef>
+          </p:style>
+          <p:txBody>
+            <a:bodyPr rtlCol="0" anchor="ctr"/>
+            <a:lstStyle/>
+            <a:p>
+              <a:pPr algn="ctr"/>
+              <a:endParaRPr lang="en-US"/>
+            </a:p>
+          </p:txBody>
+        </p:sp>
+        <p:sp>
+          <p:nvSpPr>
+            <p:cNvPr id="18" name="Rectangle 17"/>
+            <p:cNvSpPr/>
+            <p:nvPr/>
+          </p:nvSpPr>
+          <p:spPr>
+            <a:xfrm>
+              <a:off x="4157134" y="5165912"/>
+              <a:ext cx="211666" cy="143933"/>
+            </a:xfrm>
+            <a:prstGeom prst="rect">
+              <a:avLst/>
+            </a:prstGeom>
+            <a:solidFill>
+              <a:srgbClr val="66CCFF"/>
+            </a:solidFill>
+            <a:ln>
+              <a:noFill/>
+            </a:ln>
+            <a:effectLst/>
+          </p:spPr>
+          <p:style>
+            <a:lnRef idx="1">
+              <a:schemeClr val="accent1"/>
+            </a:lnRef>
+            <a:fillRef idx="3">
+              <a:schemeClr val="accent1"/>
+            </a:fillRef>
+            <a:effectRef idx="2">
+              <a:schemeClr val="accent1"/>
+            </a:effectRef>
+            <a:fontRef idx="minor">
+              <a:schemeClr val="lt1"/>
+            </a:fontRef>
+          </p:style>
+          <p:txBody>
+            <a:bodyPr rtlCol="0" anchor="ctr"/>
+            <a:lstStyle/>
+            <a:p>
+              <a:pPr algn="ctr"/>
+              <a:endParaRPr lang="en-US"/>
+            </a:p>
+          </p:txBody>
+        </p:sp>
+        <p:sp>
+          <p:nvSpPr>
+            <p:cNvPr id="17" name="Rectangle 16"/>
+            <p:cNvSpPr/>
+            <p:nvPr/>
+          </p:nvSpPr>
+          <p:spPr>
+            <a:xfrm>
+              <a:off x="3361268" y="5155582"/>
+              <a:ext cx="515112" cy="164592"/>
+            </a:xfrm>
+            <a:prstGeom prst="rect">
+              <a:avLst/>
+            </a:prstGeom>
+            <a:solidFill>
+              <a:srgbClr val="66CCFF"/>
+            </a:solidFill>
+            <a:ln>
+              <a:noFill/>
+            </a:ln>
+            <a:effectLst/>
+          </p:spPr>
+          <p:style>
+            <a:lnRef idx="1">
+              <a:schemeClr val="accent1"/>
+            </a:lnRef>
+            <a:fillRef idx="3">
+              <a:schemeClr val="accent1"/>
+            </a:fillRef>
+            <a:effectRef idx="2">
+              <a:schemeClr val="accent1"/>
+            </a:effectRef>
+            <a:fontRef idx="minor">
+              <a:schemeClr val="lt1"/>
+            </a:fontRef>
+          </p:style>
+          <p:txBody>
+            <a:bodyPr rtlCol="0" anchor="ctr"/>
+            <a:lstStyle/>
+            <a:p>
+              <a:pPr algn="ctr"/>
+              <a:endParaRPr lang="en-US"/>
+            </a:p>
+          </p:txBody>
+        </p:sp>
+        <p:sp>
+          <p:nvSpPr>
+            <p:cNvPr id="9" name="Rounded Rectangle 8"/>
+            <p:cNvSpPr/>
+            <p:nvPr/>
+          </p:nvSpPr>
+          <p:spPr>
+            <a:xfrm>
+              <a:off x="1107559" y="4861117"/>
+              <a:ext cx="1024622" cy="261062"/>
+            </a:xfrm>
+            <a:prstGeom prst="roundRect">
+              <a:avLst>
+                <a:gd name="adj" fmla="val 23154"/>
+              </a:avLst>
+            </a:prstGeom>
+            <a:noFill/>
+            <a:ln>
+              <a:solidFill>
+                <a:srgbClr val="000000"/>
+              </a:solidFill>
+            </a:ln>
+            <a:effectLst/>
+          </p:spPr>
+          <p:style>
+            <a:lnRef idx="1">
+              <a:schemeClr val="accent1"/>
+            </a:lnRef>
+            <a:fillRef idx="3">
+              <a:schemeClr val="accent1"/>
+            </a:fillRef>
+            <a:effectRef idx="2">
+              <a:schemeClr val="accent1"/>
+            </a:effectRef>
+            <a:fontRef idx="minor">
+              <a:schemeClr val="lt1"/>
+            </a:fontRef>
+          </p:style>
+          <p:txBody>
+            <a:bodyPr rtlCol="0" anchor="ctr"/>
+            <a:lstStyle/>
+            <a:p>
+              <a:pPr algn="ctr"/>
+              <a:r>
+                <a:rPr lang="en-US" sz="1100" dirty="0" smtClean="0">
+                  <a:solidFill>
+                    <a:srgbClr val="000000"/>
+                  </a:solidFill>
+                  <a:latin typeface="Arial"/>
+                  <a:cs typeface="Arial"/>
+                </a:rPr>
+                <a:t>Master-script</a:t>
+              </a:r>
+              <a:endParaRPr lang="en-US" sz="1100" dirty="0">
+                <a:solidFill>
+                  <a:srgbClr val="000000"/>
+                </a:solidFill>
+                <a:latin typeface="Arial"/>
+                <a:cs typeface="Arial"/>
+              </a:endParaRPr>
+            </a:p>
+          </p:txBody>
+        </p:sp>
+        <p:sp>
+          <p:nvSpPr>
+            <p:cNvPr id="10" name="Rounded Rectangle 9"/>
+            <p:cNvSpPr/>
+            <p:nvPr/>
+          </p:nvSpPr>
+          <p:spPr>
+            <a:xfrm>
+              <a:off x="1107559" y="5155739"/>
+              <a:ext cx="1024622" cy="379057"/>
+            </a:xfrm>
+            <a:prstGeom prst="roundRect">
+              <a:avLst>
+                <a:gd name="adj" fmla="val 12201"/>
+              </a:avLst>
+            </a:prstGeom>
+            <a:noFill/>
+            <a:ln>
+              <a:solidFill>
+                <a:srgbClr val="000000"/>
+              </a:solidFill>
+            </a:ln>
+            <a:effectLst/>
+          </p:spPr>
+          <p:style>
+            <a:lnRef idx="1">
+              <a:schemeClr val="accent1"/>
+            </a:lnRef>
+            <a:fillRef idx="3">
+              <a:schemeClr val="accent1"/>
+            </a:fillRef>
+            <a:effectRef idx="2">
+              <a:schemeClr val="accent1"/>
+            </a:effectRef>
+            <a:fontRef idx="minor">
+              <a:schemeClr val="lt1"/>
+            </a:fontRef>
+          </p:style>
+          <p:txBody>
+            <a:bodyPr rtlCol="0" anchor="ctr"/>
+            <a:lstStyle/>
+            <a:p>
+              <a:pPr algn="ctr"/>
+              <a:r>
+                <a:rPr lang="en-US" sz="1100" dirty="0" smtClean="0">
+                  <a:solidFill>
+                    <a:srgbClr val="000000"/>
+                  </a:solidFill>
+                  <a:latin typeface="Arial"/>
+                  <a:cs typeface="Arial"/>
+                </a:rPr>
+                <a:t>Audio Transcript</a:t>
+              </a:r>
+              <a:endParaRPr lang="en-US" sz="1100" dirty="0">
+                <a:solidFill>
+                  <a:srgbClr val="000000"/>
+                </a:solidFill>
+                <a:latin typeface="Arial"/>
+                <a:cs typeface="Arial"/>
+              </a:endParaRPr>
+            </a:p>
+          </p:txBody>
+        </p:sp>
+        <p:sp>
+          <p:nvSpPr>
+            <p:cNvPr id="2" name="TextBox 1"/>
+            <p:cNvSpPr txBox="1"/>
+            <p:nvPr/>
+          </p:nvSpPr>
+          <p:spPr>
+            <a:xfrm>
+              <a:off x="2142068" y="4860569"/>
+              <a:ext cx="3682963" cy="261610"/>
+            </a:xfrm>
+            <a:prstGeom prst="rect">
+              <a:avLst/>
+            </a:prstGeom>
+            <a:noFill/>
+          </p:spPr>
+          <p:txBody>
+            <a:bodyPr wrap="none" rtlCol="0">
+              <a:spAutoFit/>
+            </a:bodyPr>
+            <a:lstStyle/>
+            <a:p>
+              <a:r>
+                <a:rPr lang="en-US" sz="1100" dirty="0" smtClean="0">
+                  <a:latin typeface="Times"/>
+                  <a:cs typeface="Times"/>
+                </a:rPr>
+                <a:t>Most existing tools treat script and audio completely separate. </a:t>
+              </a:r>
+              <a:endParaRPr lang="en-US" sz="1100" dirty="0">
+                <a:latin typeface="Times"/>
+                <a:cs typeface="Times"/>
+              </a:endParaRPr>
+            </a:p>
+          </p:txBody>
+        </p:sp>
+        <p:sp>
+          <p:nvSpPr>
+            <p:cNvPr id="19" name="Rectangle 18"/>
+            <p:cNvSpPr/>
+            <p:nvPr/>
+          </p:nvSpPr>
+          <p:spPr>
+            <a:xfrm>
+              <a:off x="4953682" y="5155582"/>
+              <a:ext cx="185926" cy="164592"/>
+            </a:xfrm>
+            <a:prstGeom prst="rect">
+              <a:avLst/>
+            </a:prstGeom>
+            <a:solidFill>
+              <a:srgbClr val="66CCFF"/>
+            </a:solidFill>
+            <a:ln>
+              <a:noFill/>
+            </a:ln>
+            <a:effectLst/>
+          </p:spPr>
+          <p:style>
+            <a:lnRef idx="1">
+              <a:schemeClr val="accent1"/>
+            </a:lnRef>
+            <a:fillRef idx="3">
+              <a:schemeClr val="accent1"/>
+            </a:fillRef>
+            <a:effectRef idx="2">
+              <a:schemeClr val="accent1"/>
+            </a:effectRef>
+            <a:fontRef idx="minor">
+              <a:schemeClr val="lt1"/>
+            </a:fontRef>
+          </p:style>
+          <p:txBody>
+            <a:bodyPr rtlCol="0" anchor="ctr"/>
+            <a:lstStyle/>
+            <a:p>
+              <a:pPr algn="ctr"/>
+              <a:endParaRPr lang="en-US"/>
+            </a:p>
+          </p:txBody>
+        </p:sp>
+        <p:sp>
+          <p:nvSpPr>
+            <p:cNvPr id="21" name="Rectangle 20"/>
+            <p:cNvSpPr/>
+            <p:nvPr/>
+          </p:nvSpPr>
+          <p:spPr>
+            <a:xfrm>
+              <a:off x="3530602" y="5328641"/>
+              <a:ext cx="423332" cy="161478"/>
+            </a:xfrm>
+            <a:prstGeom prst="rect">
+              <a:avLst/>
+            </a:prstGeom>
+            <a:solidFill>
+              <a:srgbClr val="66CCFF"/>
+            </a:solidFill>
+            <a:ln>
+              <a:noFill/>
+            </a:ln>
+            <a:effectLst/>
+          </p:spPr>
+          <p:style>
+            <a:lnRef idx="1">
+              <a:schemeClr val="accent1"/>
+            </a:lnRef>
+            <a:fillRef idx="3">
+              <a:schemeClr val="accent1"/>
+            </a:fillRef>
+            <a:effectRef idx="2">
+              <a:schemeClr val="accent1"/>
+            </a:effectRef>
+            <a:fontRef idx="minor">
+              <a:schemeClr val="lt1"/>
+            </a:fontRef>
+          </p:style>
+          <p:txBody>
+            <a:bodyPr rtlCol="0" anchor="ctr"/>
+            <a:lstStyle/>
+            <a:p>
+              <a:pPr algn="ctr"/>
+              <a:endParaRPr lang="en-US"/>
+            </a:p>
+          </p:txBody>
+        </p:sp>
+        <p:sp>
+          <p:nvSpPr>
+            <p:cNvPr id="16" name="TextBox 15"/>
+            <p:cNvSpPr txBox="1"/>
+            <p:nvPr/>
+          </p:nvSpPr>
+          <p:spPr>
+            <a:xfrm>
+              <a:off x="2150535" y="5096315"/>
+              <a:ext cx="3530599" cy="430887"/>
+            </a:xfrm>
+            <a:prstGeom prst="rect">
+              <a:avLst/>
+            </a:prstGeom>
+            <a:noFill/>
+          </p:spPr>
+          <p:txBody>
+            <a:bodyPr wrap="square" rtlCol="0">
+              <a:spAutoFit/>
+            </a:bodyPr>
+            <a:lstStyle/>
+            <a:p>
+              <a:r>
+                <a:rPr lang="en-US" sz="1100" strike="sngStrike" dirty="0" smtClean="0">
+                  <a:solidFill>
+                    <a:srgbClr val="61C9FF"/>
+                  </a:solidFill>
+                  <a:latin typeface="Times"/>
+                  <a:cs typeface="Times"/>
+                </a:rPr>
+                <a:t>Most</a:t>
+              </a:r>
+              <a:r>
+                <a:rPr lang="en-US" sz="1100" dirty="0" smtClean="0">
+                  <a:solidFill>
+                    <a:srgbClr val="61C9FF"/>
+                  </a:solidFill>
+                  <a:latin typeface="Times"/>
+                  <a:cs typeface="Times"/>
+                </a:rPr>
+                <a:t> </a:t>
+              </a:r>
+              <a:r>
+                <a:rPr lang="en-US" sz="1100" dirty="0" smtClean="0">
+                  <a:latin typeface="Times"/>
+                  <a:cs typeface="Times"/>
+                </a:rPr>
+                <a:t>Existing tools typically treat the script and the audio as completely separate entities </a:t>
+              </a:r>
+              <a:endParaRPr lang="en-US" sz="1100" dirty="0">
+                <a:latin typeface="Times"/>
+                <a:cs typeface="Times"/>
+              </a:endParaRPr>
+            </a:p>
+          </p:txBody>
+        </p:sp>
+      </p:grpSp>
     </p:spTree>
     <p:extLst>
       <p:ext uri="{BB962C8B-B14F-4D97-AF65-F5344CB8AC3E}">
         <p14:creationId xmlns:p14="http://schemas.microsoft.com/office/powerpoint/2010/main" val="3807051023"/>
+      </p:ext>
+    </p:extLst>
+  </p:cSld>
+  <p:clrMapOvr>
+    <a:masterClrMapping/>
+  </p:clrMapOvr>
+</p:sld>
+</file>
+
+<file path=ppt/slides/slide3.xml><?xml version="1.0" encoding="utf-8"?>
+<p:sld xmlns:a="http://schemas.openxmlformats.org/drawingml/2006/main" xmlns:r="http://schemas.openxmlformats.org/officeDocument/2006/relationships" xmlns:p="http://schemas.openxmlformats.org/presentationml/2006/main">
+  <p:cSld>
+    <p:spTree>
+      <p:nvGrpSpPr>
+        <p:cNvPr id="1" name=""/>
+        <p:cNvGrpSpPr/>
+        <p:nvPr/>
+      </p:nvGrpSpPr>
+      <p:grpSpPr>
+        <a:xfrm>
+          <a:off x="0" y="0"/>
+          <a:ext cx="0" cy="0"/>
+          <a:chOff x="0" y="0"/>
+          <a:chExt cx="0" cy="0"/>
+        </a:xfrm>
+      </p:grpSpPr>
+      <p:grpSp>
+        <p:nvGrpSpPr>
+          <p:cNvPr id="22" name="Group 21"/>
+          <p:cNvGrpSpPr/>
+          <p:nvPr/>
+        </p:nvGrpSpPr>
+        <p:grpSpPr>
+          <a:xfrm>
+            <a:off x="1369059" y="1764287"/>
+            <a:ext cx="5918199" cy="2048933"/>
+            <a:chOff x="1369059" y="1764287"/>
+            <a:chExt cx="5918199" cy="2048933"/>
+          </a:xfrm>
+        </p:grpSpPr>
+        <p:grpSp>
+          <p:nvGrpSpPr>
+            <p:cNvPr id="21" name="Group 20"/>
+            <p:cNvGrpSpPr/>
+            <p:nvPr/>
+          </p:nvGrpSpPr>
+          <p:grpSpPr>
+            <a:xfrm>
+              <a:off x="1766991" y="1846890"/>
+              <a:ext cx="5520267" cy="932563"/>
+              <a:chOff x="1766991" y="1846890"/>
+              <a:chExt cx="5520267" cy="932563"/>
+            </a:xfrm>
+          </p:grpSpPr>
+          <p:sp>
+            <p:nvSpPr>
+              <p:cNvPr id="5" name="Rectangle 4"/>
+              <p:cNvSpPr/>
+              <p:nvPr/>
+            </p:nvSpPr>
+            <p:spPr>
+              <a:xfrm>
+                <a:off x="1766991" y="1846890"/>
+                <a:ext cx="5520267" cy="932563"/>
+              </a:xfrm>
+              <a:prstGeom prst="rect">
+                <a:avLst/>
+              </a:prstGeom>
+            </p:spPr>
+            <p:txBody>
+              <a:bodyPr wrap="square">
+                <a:spAutoFit/>
+              </a:bodyPr>
+              <a:lstStyle/>
+              <a:p>
+                <a:pPr>
+                  <a:lnSpc>
+                    <a:spcPct val="120000"/>
+                  </a:lnSpc>
+                </a:pPr>
+                <a:r>
+                  <a:rPr lang="en-US" sz="1700" dirty="0" smtClean="0">
+                    <a:latin typeface="Arial"/>
+                    <a:cs typeface="Arial"/>
+                  </a:rPr>
+                  <a:t>Segmentation using only punctuations</a:t>
+                </a:r>
+                <a:r>
+                  <a:rPr lang="en-US" dirty="0" smtClean="0">
+                    <a:latin typeface="Arial"/>
+                    <a:cs typeface="Arial"/>
+                  </a:rPr>
+                  <a:t/>
+                </a:r>
+                <a:br>
+                  <a:rPr lang="en-US" dirty="0" smtClean="0">
+                    <a:latin typeface="Arial"/>
+                    <a:cs typeface="Arial"/>
+                  </a:rPr>
+                </a:br>
+                <a:r>
+                  <a:rPr lang="en-US" sz="1500" i="1" dirty="0" smtClean="0">
+                    <a:solidFill>
+                      <a:schemeClr val="bg1">
+                        <a:lumMod val="75000"/>
+                      </a:schemeClr>
+                    </a:solidFill>
+                    <a:latin typeface="Arial"/>
+                    <a:cs typeface="Arial"/>
+                  </a:rPr>
+                  <a:t>master-script: </a:t>
+                </a:r>
+                <a:r>
+                  <a:rPr lang="en-US" sz="1500" dirty="0" smtClean="0">
+                    <a:latin typeface="Times"/>
+                    <a:cs typeface="Times"/>
+                  </a:rPr>
+                  <a:t>Dark </a:t>
+                </a:r>
+                <a:r>
+                  <a:rPr lang="en-US" sz="1500" dirty="0">
+                    <a:latin typeface="Times"/>
+                    <a:cs typeface="Times"/>
+                  </a:rPr>
+                  <a:t>matter is spread throughout space</a:t>
+                </a:r>
+                <a:r>
+                  <a:rPr lang="en-US" sz="1500" dirty="0" smtClean="0">
+                    <a:latin typeface="Times"/>
+                    <a:cs typeface="Times"/>
+                  </a:rPr>
+                  <a:t>.</a:t>
+                </a:r>
+                <a:endParaRPr lang="en-US" sz="1500" dirty="0">
+                  <a:latin typeface="Times"/>
+                  <a:cs typeface="Times"/>
+                </a:endParaRPr>
+              </a:p>
+              <a:p>
+                <a:r>
+                  <a:rPr lang="en-US" sz="1500" i="1" dirty="0" smtClean="0"/>
+                  <a:t>     </a:t>
+                </a:r>
+                <a:r>
+                  <a:rPr lang="en-US" sz="1500" i="1" dirty="0" smtClean="0">
+                    <a:latin typeface="Arial"/>
+                    <a:cs typeface="Arial"/>
+                  </a:rPr>
+                  <a:t> </a:t>
+                </a:r>
+                <a:r>
+                  <a:rPr lang="en-US" sz="1500" i="1" dirty="0" smtClean="0">
+                    <a:solidFill>
+                      <a:srgbClr val="BFBFBF"/>
+                    </a:solidFill>
+                    <a:latin typeface="Arial"/>
+                    <a:cs typeface="Arial"/>
+                  </a:rPr>
+                  <a:t>transcript: </a:t>
+                </a:r>
+                <a:r>
+                  <a:rPr lang="en-US" sz="1500" dirty="0" smtClean="0">
+                    <a:latin typeface="Times"/>
+                    <a:cs typeface="Times"/>
+                  </a:rPr>
+                  <a:t>Dark </a:t>
+                </a:r>
+                <a:r>
+                  <a:rPr lang="en-US" sz="1500" dirty="0">
+                    <a:latin typeface="Times"/>
+                    <a:cs typeface="Times"/>
+                  </a:rPr>
+                  <a:t>matter is spread throughout </a:t>
+                </a:r>
+                <a:r>
+                  <a:rPr lang="en-US" sz="1500" dirty="0" smtClean="0">
+                    <a:latin typeface="Times"/>
+                    <a:cs typeface="Times"/>
+                  </a:rPr>
+                  <a:t> the galaxy (pause)</a:t>
+                </a:r>
+                <a:endParaRPr lang="en-US" sz="1500" dirty="0">
+                  <a:latin typeface="Times"/>
+                  <a:cs typeface="Times"/>
+                </a:endParaRPr>
+              </a:p>
+            </p:txBody>
+          </p:sp>
+          <p:sp>
+            <p:nvSpPr>
+              <p:cNvPr id="6" name="Rectangle 5"/>
+              <p:cNvSpPr/>
+              <p:nvPr/>
+            </p:nvSpPr>
+            <p:spPr>
+              <a:xfrm>
+                <a:off x="6145954" y="2272292"/>
+                <a:ext cx="45719" cy="218778"/>
+              </a:xfrm>
+              <a:prstGeom prst="rect">
+                <a:avLst/>
+              </a:prstGeom>
+              <a:solidFill>
+                <a:srgbClr val="0000FF"/>
+              </a:solidFill>
+              <a:ln>
+                <a:noFill/>
+              </a:ln>
+              <a:effectLst/>
+            </p:spPr>
+            <p:style>
+              <a:lnRef idx="1">
+                <a:schemeClr val="accent1"/>
+              </a:lnRef>
+              <a:fillRef idx="3">
+                <a:schemeClr val="accent1"/>
+              </a:fillRef>
+              <a:effectRef idx="2">
+                <a:schemeClr val="accent1"/>
+              </a:effectRef>
+              <a:fontRef idx="minor">
+                <a:schemeClr val="lt1"/>
+              </a:fontRef>
+            </p:style>
+            <p:txBody>
+              <a:bodyPr rtlCol="0" anchor="ctr"/>
+              <a:lstStyle/>
+              <a:p>
+                <a:pPr algn="ctr"/>
+                <a:endParaRPr lang="en-US"/>
+              </a:p>
+            </p:txBody>
+          </p:sp>
+          <p:sp>
+            <p:nvSpPr>
+              <p:cNvPr id="7" name="Rectangle 6"/>
+              <p:cNvSpPr/>
+              <p:nvPr/>
+            </p:nvSpPr>
+            <p:spPr>
+              <a:xfrm>
+                <a:off x="5612553" y="2500893"/>
+                <a:ext cx="45719" cy="218778"/>
+              </a:xfrm>
+              <a:prstGeom prst="rect">
+                <a:avLst/>
+              </a:prstGeom>
+              <a:solidFill>
+                <a:srgbClr val="0000FF"/>
+              </a:solidFill>
+              <a:ln>
+                <a:noFill/>
+              </a:ln>
+              <a:effectLst/>
+            </p:spPr>
+            <p:style>
+              <a:lnRef idx="1">
+                <a:schemeClr val="accent1"/>
+              </a:lnRef>
+              <a:fillRef idx="3">
+                <a:schemeClr val="accent1"/>
+              </a:fillRef>
+              <a:effectRef idx="2">
+                <a:schemeClr val="accent1"/>
+              </a:effectRef>
+              <a:fontRef idx="minor">
+                <a:schemeClr val="lt1"/>
+              </a:fontRef>
+            </p:style>
+            <p:txBody>
+              <a:bodyPr rtlCol="0" anchor="ctr"/>
+              <a:lstStyle/>
+              <a:p>
+                <a:pPr algn="ctr"/>
+                <a:endParaRPr lang="en-US"/>
+              </a:p>
+            </p:txBody>
+          </p:sp>
+        </p:grpSp>
+        <p:grpSp>
+          <p:nvGrpSpPr>
+            <p:cNvPr id="20" name="Group 19"/>
+            <p:cNvGrpSpPr/>
+            <p:nvPr/>
+          </p:nvGrpSpPr>
+          <p:grpSpPr>
+            <a:xfrm>
+              <a:off x="1766990" y="2796420"/>
+              <a:ext cx="5283201" cy="932563"/>
+              <a:chOff x="1766990" y="2796420"/>
+              <a:chExt cx="5283201" cy="932563"/>
+            </a:xfrm>
+          </p:grpSpPr>
+          <p:sp>
+            <p:nvSpPr>
+              <p:cNvPr id="8" name="Rectangle 7"/>
+              <p:cNvSpPr/>
+              <p:nvPr/>
+            </p:nvSpPr>
+            <p:spPr>
+              <a:xfrm>
+                <a:off x="1766990" y="2796420"/>
+                <a:ext cx="5283201" cy="932563"/>
+              </a:xfrm>
+              <a:prstGeom prst="rect">
+                <a:avLst/>
+              </a:prstGeom>
+            </p:spPr>
+            <p:txBody>
+              <a:bodyPr wrap="square">
+                <a:spAutoFit/>
+              </a:bodyPr>
+              <a:lstStyle/>
+              <a:p>
+                <a:pPr>
+                  <a:lnSpc>
+                    <a:spcPct val="120000"/>
+                  </a:lnSpc>
+                </a:pPr>
+                <a:r>
+                  <a:rPr lang="en-US" sz="1700" dirty="0" smtClean="0">
+                    <a:latin typeface="Arial"/>
+                    <a:cs typeface="Arial"/>
+                  </a:rPr>
+                  <a:t>Segmentation using only utterance boundaries </a:t>
+                </a:r>
+                <a:br>
+                  <a:rPr lang="en-US" sz="1700" dirty="0" smtClean="0">
+                    <a:latin typeface="Arial"/>
+                    <a:cs typeface="Arial"/>
+                  </a:rPr>
+                </a:br>
+                <a:r>
+                  <a:rPr lang="en-US" sz="1500" i="1" dirty="0" smtClean="0">
+                    <a:solidFill>
+                      <a:schemeClr val="bg1">
+                        <a:lumMod val="75000"/>
+                      </a:schemeClr>
+                    </a:solidFill>
+                    <a:latin typeface="Arial"/>
+                    <a:cs typeface="Arial"/>
+                  </a:rPr>
+                  <a:t>master-script: </a:t>
+                </a:r>
+                <a:r>
+                  <a:rPr lang="en-US" sz="1500" dirty="0" smtClean="0">
+                    <a:latin typeface="Times"/>
+                    <a:cs typeface="Times"/>
+                  </a:rPr>
+                  <a:t>Consider the   galaxy like a giant merry-go-round.</a:t>
+                </a:r>
+                <a:endParaRPr lang="en-US" sz="1500" dirty="0">
+                  <a:latin typeface="Times"/>
+                  <a:cs typeface="Times"/>
+                </a:endParaRPr>
+              </a:p>
+              <a:p>
+                <a:r>
+                  <a:rPr lang="en-US" sz="1500" i="1" dirty="0" smtClean="0"/>
+                  <a:t>     </a:t>
+                </a:r>
+                <a:r>
+                  <a:rPr lang="en-US" sz="1500" i="1" dirty="0" smtClean="0">
+                    <a:latin typeface="Arial"/>
+                    <a:cs typeface="Arial"/>
+                  </a:rPr>
+                  <a:t> </a:t>
+                </a:r>
+                <a:r>
+                  <a:rPr lang="en-US" sz="1500" i="1" dirty="0" smtClean="0">
+                    <a:solidFill>
+                      <a:srgbClr val="BFBFBF"/>
+                    </a:solidFill>
+                    <a:latin typeface="Arial"/>
+                    <a:cs typeface="Arial"/>
+                  </a:rPr>
+                  <a:t>transcript: </a:t>
+                </a:r>
+                <a:r>
+                  <a:rPr lang="en-US" sz="1500" dirty="0" smtClean="0">
+                    <a:latin typeface="Times"/>
+                    <a:cs typeface="Times"/>
+                  </a:rPr>
+                  <a:t>A galaxy is like a giant merry-go-round (pause)</a:t>
+                </a:r>
+                <a:endParaRPr lang="en-US" sz="1500" dirty="0">
+                  <a:latin typeface="Times"/>
+                  <a:cs typeface="Times"/>
+                </a:endParaRPr>
+              </a:p>
+            </p:txBody>
+          </p:sp>
+          <p:sp>
+            <p:nvSpPr>
+              <p:cNvPr id="9" name="Rectangle 8"/>
+              <p:cNvSpPr/>
+              <p:nvPr/>
+            </p:nvSpPr>
+            <p:spPr>
+              <a:xfrm>
+                <a:off x="6730154" y="3459445"/>
+                <a:ext cx="45719" cy="218778"/>
+              </a:xfrm>
+              <a:prstGeom prst="rect">
+                <a:avLst/>
+              </a:prstGeom>
+              <a:solidFill>
+                <a:srgbClr val="0000FF"/>
+              </a:solidFill>
+              <a:ln>
+                <a:noFill/>
+              </a:ln>
+              <a:effectLst/>
+            </p:spPr>
+            <p:style>
+              <a:lnRef idx="1">
+                <a:schemeClr val="accent1"/>
+              </a:lnRef>
+              <a:fillRef idx="3">
+                <a:schemeClr val="accent1"/>
+              </a:fillRef>
+              <a:effectRef idx="2">
+                <a:schemeClr val="accent1"/>
+              </a:effectRef>
+              <a:fontRef idx="minor">
+                <a:schemeClr val="lt1"/>
+              </a:fontRef>
+            </p:style>
+            <p:txBody>
+              <a:bodyPr rtlCol="0" anchor="ctr"/>
+              <a:lstStyle/>
+              <a:p>
+                <a:pPr algn="ctr"/>
+                <a:endParaRPr lang="en-US"/>
+              </a:p>
+            </p:txBody>
+          </p:sp>
+          <p:sp>
+            <p:nvSpPr>
+              <p:cNvPr id="10" name="Rectangle 9"/>
+              <p:cNvSpPr/>
+              <p:nvPr/>
+            </p:nvSpPr>
+            <p:spPr>
+              <a:xfrm>
+                <a:off x="4071617" y="3215266"/>
+                <a:ext cx="45719" cy="218778"/>
+              </a:xfrm>
+              <a:prstGeom prst="rect">
+                <a:avLst/>
+              </a:prstGeom>
+              <a:solidFill>
+                <a:srgbClr val="0000FF"/>
+              </a:solidFill>
+              <a:ln>
+                <a:noFill/>
+              </a:ln>
+              <a:effectLst/>
+            </p:spPr>
+            <p:style>
+              <a:lnRef idx="1">
+                <a:schemeClr val="accent1"/>
+              </a:lnRef>
+              <a:fillRef idx="3">
+                <a:schemeClr val="accent1"/>
+              </a:fillRef>
+              <a:effectRef idx="2">
+                <a:schemeClr val="accent1"/>
+              </a:effectRef>
+              <a:fontRef idx="minor">
+                <a:schemeClr val="lt1"/>
+              </a:fontRef>
+            </p:style>
+            <p:txBody>
+              <a:bodyPr rtlCol="0" anchor="ctr"/>
+              <a:lstStyle/>
+              <a:p>
+                <a:pPr algn="ctr"/>
+                <a:endParaRPr lang="en-US"/>
+              </a:p>
+            </p:txBody>
+          </p:sp>
+        </p:grpSp>
+        <p:sp>
+          <p:nvSpPr>
+            <p:cNvPr id="13" name="Rectangle 12"/>
+            <p:cNvSpPr/>
+            <p:nvPr/>
+          </p:nvSpPr>
+          <p:spPr>
+            <a:xfrm>
+              <a:off x="1493533" y="1887385"/>
+              <a:ext cx="319168" cy="319168"/>
+            </a:xfrm>
+            <a:prstGeom prst="rect">
+              <a:avLst/>
+            </a:prstGeom>
+            <a:noFill/>
+            <a:ln w="28575" cmpd="sng">
+              <a:solidFill>
+                <a:schemeClr val="bg1">
+                  <a:lumMod val="75000"/>
+                </a:schemeClr>
+              </a:solidFill>
+            </a:ln>
+            <a:effectLst/>
+          </p:spPr>
+          <p:style>
+            <a:lnRef idx="1">
+              <a:schemeClr val="accent1"/>
+            </a:lnRef>
+            <a:fillRef idx="3">
+              <a:schemeClr val="accent1"/>
+            </a:fillRef>
+            <a:effectRef idx="2">
+              <a:schemeClr val="accent1"/>
+            </a:effectRef>
+            <a:fontRef idx="minor">
+              <a:schemeClr val="lt1"/>
+            </a:fontRef>
+          </p:style>
+          <p:txBody>
+            <a:bodyPr rtlCol="0" anchor="b"/>
+            <a:lstStyle/>
+            <a:p>
+              <a:pPr algn="ctr"/>
+              <a:r>
+                <a:rPr lang="en-US" sz="2200" dirty="0" smtClean="0">
+                  <a:solidFill>
+                    <a:srgbClr val="000000"/>
+                  </a:solidFill>
+                </a:rPr>
+                <a:t>a</a:t>
+              </a:r>
+              <a:endParaRPr lang="en-US" sz="2200" dirty="0">
+                <a:solidFill>
+                  <a:srgbClr val="000000"/>
+                </a:solidFill>
+              </a:endParaRPr>
+            </a:p>
+          </p:txBody>
+        </p:sp>
+        <p:sp>
+          <p:nvSpPr>
+            <p:cNvPr id="14" name="Rectangle 13"/>
+            <p:cNvSpPr/>
+            <p:nvPr/>
+          </p:nvSpPr>
+          <p:spPr>
+            <a:xfrm>
+              <a:off x="1495066" y="2821893"/>
+              <a:ext cx="319168" cy="319168"/>
+            </a:xfrm>
+            <a:prstGeom prst="rect">
+              <a:avLst/>
+            </a:prstGeom>
+            <a:noFill/>
+            <a:ln w="28575" cmpd="sng">
+              <a:solidFill>
+                <a:schemeClr val="bg1">
+                  <a:lumMod val="75000"/>
+                </a:schemeClr>
+              </a:solidFill>
+            </a:ln>
+            <a:effectLst/>
+          </p:spPr>
+          <p:style>
+            <a:lnRef idx="1">
+              <a:schemeClr val="accent1"/>
+            </a:lnRef>
+            <a:fillRef idx="3">
+              <a:schemeClr val="accent1"/>
+            </a:fillRef>
+            <a:effectRef idx="2">
+              <a:schemeClr val="accent1"/>
+            </a:effectRef>
+            <a:fontRef idx="minor">
+              <a:schemeClr val="lt1"/>
+            </a:fontRef>
+          </p:style>
+          <p:txBody>
+            <a:bodyPr rtlCol="0" anchor="ctr"/>
+            <a:lstStyle/>
+            <a:p>
+              <a:pPr algn="ctr"/>
+              <a:r>
+                <a:rPr lang="en-US" sz="2200" dirty="0" smtClean="0">
+                  <a:solidFill>
+                    <a:schemeClr val="tx1"/>
+                  </a:solidFill>
+                </a:rPr>
+                <a:t>b</a:t>
+              </a:r>
+              <a:endParaRPr lang="en-US" sz="2200" dirty="0">
+                <a:solidFill>
+                  <a:schemeClr val="tx1"/>
+                </a:solidFill>
+              </a:endParaRPr>
+            </a:p>
+          </p:txBody>
+        </p:sp>
+        <p:sp>
+          <p:nvSpPr>
+            <p:cNvPr id="17" name="Rectangle 16"/>
+            <p:cNvSpPr/>
+            <p:nvPr/>
+          </p:nvSpPr>
+          <p:spPr>
+            <a:xfrm>
+              <a:off x="1369059" y="1764287"/>
+              <a:ext cx="5842000" cy="2048933"/>
+            </a:xfrm>
+            <a:prstGeom prst="rect">
+              <a:avLst/>
+            </a:prstGeom>
+            <a:noFill/>
+            <a:ln>
+              <a:solidFill>
+                <a:srgbClr val="000000"/>
+              </a:solidFill>
+            </a:ln>
+            <a:effectLst/>
+          </p:spPr>
+          <p:style>
+            <a:lnRef idx="1">
+              <a:schemeClr val="accent1"/>
+            </a:lnRef>
+            <a:fillRef idx="3">
+              <a:schemeClr val="accent1"/>
+            </a:fillRef>
+            <a:effectRef idx="2">
+              <a:schemeClr val="accent1"/>
+            </a:effectRef>
+            <a:fontRef idx="minor">
+              <a:schemeClr val="lt1"/>
+            </a:fontRef>
+          </p:style>
+          <p:txBody>
+            <a:bodyPr rtlCol="0" anchor="ctr"/>
+            <a:lstStyle/>
+            <a:p>
+              <a:pPr algn="ctr"/>
+              <a:endParaRPr lang="en-US"/>
+            </a:p>
+          </p:txBody>
+        </p:sp>
+      </p:grpSp>
+    </p:spTree>
+    <p:extLst>
+      <p:ext uri="{BB962C8B-B14F-4D97-AF65-F5344CB8AC3E}">
+        <p14:creationId xmlns:p14="http://schemas.microsoft.com/office/powerpoint/2010/main" val="3323926627"/>
+      </p:ext>
+    </p:extLst>
+  </p:cSld>
+  <p:clrMapOvr>
+    <a:masterClrMapping/>
+  </p:clrMapOvr>
+</p:sld>
+</file>
+
+<file path=ppt/slides/slide4.xml><?xml version="1.0" encoding="utf-8"?>
+<p:sld xmlns:a="http://schemas.openxmlformats.org/drawingml/2006/main" xmlns:r="http://schemas.openxmlformats.org/officeDocument/2006/relationships" xmlns:p="http://schemas.openxmlformats.org/presentationml/2006/main">
+  <p:cSld>
+    <p:spTree>
+      <p:nvGrpSpPr>
+        <p:cNvPr id="1" name=""/>
+        <p:cNvGrpSpPr/>
+        <p:nvPr/>
+      </p:nvGrpSpPr>
+      <p:grpSpPr>
+        <a:xfrm>
+          <a:off x="0" y="0"/>
+          <a:ext cx="0" cy="0"/>
+          <a:chOff x="0" y="0"/>
+          <a:chExt cx="0" cy="0"/>
+        </a:xfrm>
+      </p:grpSpPr>
+      <p:grpSp>
+        <p:nvGrpSpPr>
+          <p:cNvPr id="34" name="Group 33"/>
+          <p:cNvGrpSpPr/>
+          <p:nvPr/>
+        </p:nvGrpSpPr>
+        <p:grpSpPr>
+          <a:xfrm>
+            <a:off x="499532" y="1209859"/>
+            <a:ext cx="6029226" cy="3015327"/>
+            <a:chOff x="499532" y="1209859"/>
+            <a:chExt cx="6029226" cy="3015327"/>
+          </a:xfrm>
+        </p:grpSpPr>
+        <p:grpSp>
+          <p:nvGrpSpPr>
+            <p:cNvPr id="32" name="Group 31"/>
+            <p:cNvGrpSpPr/>
+            <p:nvPr/>
+          </p:nvGrpSpPr>
+          <p:grpSpPr>
+            <a:xfrm>
+              <a:off x="499532" y="1236133"/>
+              <a:ext cx="6029225" cy="2963310"/>
+              <a:chOff x="499532" y="1236133"/>
+              <a:chExt cx="6029225" cy="2963310"/>
+            </a:xfrm>
+          </p:grpSpPr>
+          <p:pic>
+            <p:nvPicPr>
+              <p:cNvPr id="4" name="Picture 3" descr="Screen Shot 2016-07-20 at 4.04.03 PM (2).png"/>
+              <p:cNvPicPr>
+                <a:picLocks noChangeAspect="1"/>
+              </p:cNvPicPr>
+              <p:nvPr/>
+            </p:nvPicPr>
+            <p:blipFill rotWithShape="1">
+              <a:blip r:embed="rId2">
+                <a:extLst>
+                  <a:ext uri="{28A0092B-C50C-407E-A947-70E740481C1C}">
+                    <a14:useLocalDpi xmlns:a14="http://schemas.microsoft.com/office/drawing/2010/main" val="0"/>
+                  </a:ext>
+                </a:extLst>
+              </a:blip>
+              <a:srcRect l="5463" t="9136" r="28611" b="67819"/>
+              <a:stretch/>
+            </p:blipFill>
+            <p:spPr>
+              <a:xfrm>
+                <a:off x="499532" y="1236133"/>
+                <a:ext cx="6028267" cy="1185334"/>
+              </a:xfrm>
+              <a:prstGeom prst="rect">
+                <a:avLst/>
+              </a:prstGeom>
+            </p:spPr>
+          </p:pic>
+          <p:pic>
+            <p:nvPicPr>
+              <p:cNvPr id="5" name="Picture 4" descr="Screen Shot 2016-07-20 at 4.04.03 PM (2).png"/>
+              <p:cNvPicPr>
+                <a:picLocks noChangeAspect="1"/>
+              </p:cNvPicPr>
+              <p:nvPr/>
+            </p:nvPicPr>
+            <p:blipFill rotWithShape="1">
+              <a:blip r:embed="rId2">
+                <a:extLst>
+                  <a:ext uri="{28A0092B-C50C-407E-A947-70E740481C1C}">
+                    <a14:useLocalDpi xmlns:a14="http://schemas.microsoft.com/office/drawing/2010/main" val="0"/>
+                  </a:ext>
+                </a:extLst>
+              </a:blip>
+              <a:srcRect l="5463" t="41235" r="28611" b="43785"/>
+              <a:stretch/>
+            </p:blipFill>
+            <p:spPr>
+              <a:xfrm>
+                <a:off x="499532" y="2421467"/>
+                <a:ext cx="6028267" cy="770495"/>
+              </a:xfrm>
+              <a:prstGeom prst="rect">
+                <a:avLst/>
+              </a:prstGeom>
+            </p:spPr>
+          </p:pic>
+          <p:pic>
+            <p:nvPicPr>
+              <p:cNvPr id="7" name="Picture 6" descr="Screen Shot 2016-07-20 at 4.09.01 PM.png"/>
+              <p:cNvPicPr>
+                <a:picLocks noChangeAspect="1"/>
+              </p:cNvPicPr>
+              <p:nvPr/>
+            </p:nvPicPr>
+            <p:blipFill rotWithShape="1">
+              <a:blip r:embed="rId3">
+                <a:extLst>
+                  <a:ext uri="{28A0092B-C50C-407E-A947-70E740481C1C}">
+                    <a14:useLocalDpi xmlns:a14="http://schemas.microsoft.com/office/drawing/2010/main" val="0"/>
+                  </a:ext>
+                </a:extLst>
+              </a:blip>
+              <a:srcRect l="24226"/>
+              <a:stretch/>
+            </p:blipFill>
+            <p:spPr>
+              <a:xfrm>
+                <a:off x="2682875" y="2040468"/>
+                <a:ext cx="1347258" cy="367259"/>
+              </a:xfrm>
+              <a:prstGeom prst="rect">
+                <a:avLst/>
+              </a:prstGeom>
+            </p:spPr>
+          </p:pic>
+          <p:pic>
+            <p:nvPicPr>
+              <p:cNvPr id="8" name="Picture 7" descr="Screen Shot 2016-07-20 at 4.10.19 PM.png"/>
+              <p:cNvPicPr>
+                <a:picLocks noChangeAspect="1"/>
+              </p:cNvPicPr>
+              <p:nvPr/>
+            </p:nvPicPr>
+            <p:blipFill>
+              <a:blip r:embed="rId4">
+                <a:extLst>
+                  <a:ext uri="{28A0092B-C50C-407E-A947-70E740481C1C}">
+                    <a14:useLocalDpi xmlns:a14="http://schemas.microsoft.com/office/drawing/2010/main" val="0"/>
+                  </a:ext>
+                </a:extLst>
+              </a:blip>
+              <a:stretch>
+                <a:fillRect/>
+              </a:stretch>
+            </p:blipFill>
+            <p:spPr>
+              <a:xfrm>
+                <a:off x="558803" y="1574327"/>
+                <a:ext cx="1987548" cy="370811"/>
+              </a:xfrm>
+              <a:prstGeom prst="rect">
+                <a:avLst/>
+              </a:prstGeom>
+            </p:spPr>
+          </p:pic>
+          <p:pic>
+            <p:nvPicPr>
+              <p:cNvPr id="11" name="Picture 10" descr="Screen Shot 2016-07-20 at 4.09.01 PM.png"/>
+              <p:cNvPicPr>
+                <a:picLocks noChangeAspect="1"/>
+              </p:cNvPicPr>
+              <p:nvPr/>
+            </p:nvPicPr>
+            <p:blipFill rotWithShape="1">
+              <a:blip r:embed="rId3">
+                <a:extLst>
+                  <a:ext uri="{28A0092B-C50C-407E-A947-70E740481C1C}">
+                    <a14:useLocalDpi xmlns:a14="http://schemas.microsoft.com/office/drawing/2010/main" val="0"/>
+                  </a:ext>
+                </a:extLst>
+              </a:blip>
+              <a:srcRect l="75833"/>
+              <a:stretch/>
+            </p:blipFill>
+            <p:spPr>
+              <a:xfrm>
+                <a:off x="3752849" y="2040468"/>
+                <a:ext cx="429683" cy="367259"/>
+              </a:xfrm>
+              <a:prstGeom prst="rect">
+                <a:avLst/>
+              </a:prstGeom>
+            </p:spPr>
+          </p:pic>
+          <p:pic>
+            <p:nvPicPr>
+              <p:cNvPr id="12" name="Picture 11" descr="Screen Shot 2016-07-20 at 4.09.01 PM.png"/>
+              <p:cNvPicPr>
+                <a:picLocks noChangeAspect="1"/>
+              </p:cNvPicPr>
+              <p:nvPr/>
+            </p:nvPicPr>
+            <p:blipFill rotWithShape="1">
+              <a:blip r:embed="rId3">
+                <a:extLst>
+                  <a:ext uri="{28A0092B-C50C-407E-A947-70E740481C1C}">
+                    <a14:useLocalDpi xmlns:a14="http://schemas.microsoft.com/office/drawing/2010/main" val="0"/>
+                  </a:ext>
+                </a:extLst>
+              </a:blip>
+              <a:srcRect l="75833"/>
+              <a:stretch/>
+            </p:blipFill>
+            <p:spPr>
+              <a:xfrm>
+                <a:off x="3915833" y="2040468"/>
+                <a:ext cx="319618" cy="367259"/>
+              </a:xfrm>
+              <a:prstGeom prst="rect">
+                <a:avLst/>
+              </a:prstGeom>
+            </p:spPr>
+          </p:pic>
+          <p:pic>
+            <p:nvPicPr>
+              <p:cNvPr id="13" name="Picture 12" descr="Screen Shot 2016-07-20 at 4.09.01 PM.png"/>
+              <p:cNvPicPr>
+                <a:picLocks noChangeAspect="1"/>
+              </p:cNvPicPr>
+              <p:nvPr/>
+            </p:nvPicPr>
+            <p:blipFill rotWithShape="1">
+              <a:blip r:embed="rId3">
+                <a:extLst>
+                  <a:ext uri="{28A0092B-C50C-407E-A947-70E740481C1C}">
+                    <a14:useLocalDpi xmlns:a14="http://schemas.microsoft.com/office/drawing/2010/main" val="0"/>
+                  </a:ext>
+                </a:extLst>
+              </a:blip>
+              <a:srcRect l="16963" r="55893"/>
+              <a:stretch/>
+            </p:blipFill>
+            <p:spPr>
+              <a:xfrm>
+                <a:off x="2203447" y="1574327"/>
+                <a:ext cx="482602" cy="367259"/>
+              </a:xfrm>
+              <a:prstGeom prst="rect">
+                <a:avLst/>
+              </a:prstGeom>
+            </p:spPr>
+          </p:pic>
+          <p:cxnSp>
+            <p:nvCxnSpPr>
+              <p:cNvPr id="16" name="Straight Connector 15"/>
+              <p:cNvCxnSpPr/>
+              <p:nvPr/>
+            </p:nvCxnSpPr>
+            <p:spPr>
+              <a:xfrm flipH="1">
+                <a:off x="2682875" y="1473200"/>
+                <a:ext cx="3174" cy="948267"/>
+              </a:xfrm>
+              <a:prstGeom prst="line">
+                <a:avLst/>
+              </a:prstGeom>
+              <a:ln w="19050" cmpd="sng">
+                <a:solidFill>
+                  <a:srgbClr val="C1070E"/>
+                </a:solidFill>
+              </a:ln>
+              <a:effectLst/>
+            </p:spPr>
+            <p:style>
+              <a:lnRef idx="2">
+                <a:schemeClr val="accent1"/>
+              </a:lnRef>
+              <a:fillRef idx="0">
+                <a:schemeClr val="accent1"/>
+              </a:fillRef>
+              <a:effectRef idx="1">
+                <a:schemeClr val="accent1"/>
+              </a:effectRef>
+              <a:fontRef idx="minor">
+                <a:schemeClr val="tx1"/>
+              </a:fontRef>
+            </p:style>
+          </p:cxnSp>
+          <p:sp>
+            <p:nvSpPr>
+              <p:cNvPr id="18" name="Rounded Rectangle 17"/>
+              <p:cNvSpPr/>
+              <p:nvPr/>
+            </p:nvSpPr>
+            <p:spPr>
+              <a:xfrm>
+                <a:off x="4296192" y="1603737"/>
+                <a:ext cx="1855876" cy="233628"/>
+              </a:xfrm>
+              <a:prstGeom prst="roundRect">
+                <a:avLst>
+                  <a:gd name="adj" fmla="val 23154"/>
+                </a:avLst>
+              </a:prstGeom>
+              <a:solidFill>
+                <a:srgbClr val="66CCFF"/>
+              </a:solidFill>
+              <a:ln>
+                <a:solidFill>
+                  <a:srgbClr val="000000"/>
+                </a:solidFill>
+              </a:ln>
+              <a:effectLst/>
+            </p:spPr>
+            <p:style>
+              <a:lnRef idx="1">
+                <a:schemeClr val="accent1"/>
+              </a:lnRef>
+              <a:fillRef idx="3">
+                <a:schemeClr val="accent1"/>
+              </a:fillRef>
+              <a:effectRef idx="2">
+                <a:schemeClr val="accent1"/>
+              </a:effectRef>
+              <a:fontRef idx="minor">
+                <a:schemeClr val="lt1"/>
+              </a:fontRef>
+            </p:style>
+            <p:txBody>
+              <a:bodyPr rtlCol="0" anchor="ctr"/>
+              <a:lstStyle/>
+              <a:p>
+                <a:pPr algn="ctr"/>
+                <a:r>
+                  <a:rPr lang="en-US" sz="1100" dirty="0" smtClean="0">
+                    <a:solidFill>
+                      <a:srgbClr val="000000"/>
+                    </a:solidFill>
+                    <a:latin typeface="Arial"/>
+                    <a:cs typeface="Arial"/>
+                  </a:rPr>
+                  <a:t>Speech Track 1 / Take 1</a:t>
+                </a:r>
+                <a:endParaRPr lang="en-US" sz="1100" dirty="0">
+                  <a:solidFill>
+                    <a:srgbClr val="000000"/>
+                  </a:solidFill>
+                  <a:latin typeface="Arial"/>
+                  <a:cs typeface="Arial"/>
+                </a:endParaRPr>
+              </a:p>
+            </p:txBody>
+          </p:sp>
+          <p:sp>
+            <p:nvSpPr>
+              <p:cNvPr id="19" name="Rounded Rectangle 18"/>
+              <p:cNvSpPr/>
+              <p:nvPr/>
+            </p:nvSpPr>
+            <p:spPr>
+              <a:xfrm>
+                <a:off x="4296192" y="2085955"/>
+                <a:ext cx="1855876" cy="233628"/>
+              </a:xfrm>
+              <a:prstGeom prst="roundRect">
+                <a:avLst>
+                  <a:gd name="adj" fmla="val 23154"/>
+                </a:avLst>
+              </a:prstGeom>
+              <a:solidFill>
+                <a:srgbClr val="66CCFF"/>
+              </a:solidFill>
+              <a:ln>
+                <a:solidFill>
+                  <a:srgbClr val="000000"/>
+                </a:solidFill>
+              </a:ln>
+              <a:effectLst/>
+            </p:spPr>
+            <p:style>
+              <a:lnRef idx="1">
+                <a:schemeClr val="accent1"/>
+              </a:lnRef>
+              <a:fillRef idx="3">
+                <a:schemeClr val="accent1"/>
+              </a:fillRef>
+              <a:effectRef idx="2">
+                <a:schemeClr val="accent1"/>
+              </a:effectRef>
+              <a:fontRef idx="minor">
+                <a:schemeClr val="lt1"/>
+              </a:fontRef>
+            </p:style>
+            <p:txBody>
+              <a:bodyPr rtlCol="0" anchor="ctr"/>
+              <a:lstStyle/>
+              <a:p>
+                <a:pPr algn="ctr"/>
+                <a:r>
+                  <a:rPr lang="en-US" sz="1100" dirty="0" smtClean="0">
+                    <a:solidFill>
+                      <a:srgbClr val="000000"/>
+                    </a:solidFill>
+                    <a:latin typeface="Arial"/>
+                    <a:cs typeface="Arial"/>
+                  </a:rPr>
+                  <a:t>Speech Track 2 / Take 2</a:t>
+                </a:r>
+                <a:endParaRPr lang="en-US" sz="1100" dirty="0">
+                  <a:solidFill>
+                    <a:srgbClr val="000000"/>
+                  </a:solidFill>
+                  <a:latin typeface="Arial"/>
+                  <a:cs typeface="Arial"/>
+                </a:endParaRPr>
+              </a:p>
+            </p:txBody>
+          </p:sp>
+          <p:sp>
+            <p:nvSpPr>
+              <p:cNvPr id="20" name="Rounded Rectangle 19"/>
+              <p:cNvSpPr/>
+              <p:nvPr/>
+            </p:nvSpPr>
+            <p:spPr>
+              <a:xfrm>
+                <a:off x="1242682" y="1894093"/>
+                <a:ext cx="1303669" cy="224483"/>
+              </a:xfrm>
+              <a:prstGeom prst="roundRect">
+                <a:avLst>
+                  <a:gd name="adj" fmla="val 23154"/>
+                </a:avLst>
+              </a:prstGeom>
+              <a:solidFill>
+                <a:srgbClr val="66CCFF"/>
+              </a:solidFill>
+              <a:ln>
+                <a:solidFill>
+                  <a:srgbClr val="000000"/>
+                </a:solidFill>
+              </a:ln>
+              <a:effectLst/>
+            </p:spPr>
+            <p:style>
+              <a:lnRef idx="1">
+                <a:schemeClr val="accent1"/>
+              </a:lnRef>
+              <a:fillRef idx="3">
+                <a:schemeClr val="accent1"/>
+              </a:fillRef>
+              <a:effectRef idx="2">
+                <a:schemeClr val="accent1"/>
+              </a:effectRef>
+              <a:fontRef idx="minor">
+                <a:schemeClr val="lt1"/>
+              </a:fontRef>
+            </p:style>
+            <p:txBody>
+              <a:bodyPr rtlCol="0" anchor="ctr"/>
+              <a:lstStyle/>
+              <a:p>
+                <a:pPr algn="ctr"/>
+                <a:r>
+                  <a:rPr lang="en-US" sz="1100" dirty="0" smtClean="0">
+                    <a:solidFill>
+                      <a:srgbClr val="000000"/>
+                    </a:solidFill>
+                    <a:latin typeface="Arial"/>
+                    <a:cs typeface="Arial"/>
+                  </a:rPr>
+                  <a:t>Waveform View</a:t>
+                </a:r>
+                <a:endParaRPr lang="en-US" sz="1100" dirty="0">
+                  <a:solidFill>
+                    <a:srgbClr val="000000"/>
+                  </a:solidFill>
+                  <a:latin typeface="Arial"/>
+                  <a:cs typeface="Arial"/>
+                </a:endParaRPr>
+              </a:p>
+            </p:txBody>
+          </p:sp>
+          <p:pic>
+            <p:nvPicPr>
+              <p:cNvPr id="21" name="Picture 20" descr="Screen Shot 2016-07-20 at 4.04.03 PM (2).png"/>
+              <p:cNvPicPr>
+                <a:picLocks noChangeAspect="1"/>
+              </p:cNvPicPr>
+              <p:nvPr/>
+            </p:nvPicPr>
+            <p:blipFill rotWithShape="1">
+              <a:blip r:embed="rId2">
+                <a:extLst>
+                  <a:ext uri="{28A0092B-C50C-407E-A947-70E740481C1C}">
+                    <a14:useLocalDpi xmlns:a14="http://schemas.microsoft.com/office/drawing/2010/main" val="0"/>
+                  </a:ext>
+                </a:extLst>
+              </a:blip>
+              <a:srcRect l="35684" t="66237" r="28611" b="25061"/>
+              <a:stretch/>
+            </p:blipFill>
+            <p:spPr>
+              <a:xfrm>
+                <a:off x="3263900" y="3751826"/>
+                <a:ext cx="3264857" cy="447617"/>
+              </a:xfrm>
+              <a:prstGeom prst="rect">
+                <a:avLst/>
+              </a:prstGeom>
+            </p:spPr>
+          </p:pic>
+          <p:sp>
+            <p:nvSpPr>
+              <p:cNvPr id="17" name="Rounded Rectangle 16"/>
+              <p:cNvSpPr/>
+              <p:nvPr/>
+            </p:nvSpPr>
+            <p:spPr>
+              <a:xfrm>
+                <a:off x="2931782" y="2379579"/>
+                <a:ext cx="1303669" cy="224483"/>
+              </a:xfrm>
+              <a:prstGeom prst="roundRect">
+                <a:avLst>
+                  <a:gd name="adj" fmla="val 23154"/>
+                </a:avLst>
+              </a:prstGeom>
+              <a:solidFill>
+                <a:srgbClr val="66CCFF"/>
+              </a:solidFill>
+              <a:ln>
+                <a:solidFill>
+                  <a:srgbClr val="000000"/>
+                </a:solidFill>
+              </a:ln>
+              <a:effectLst/>
+            </p:spPr>
+            <p:style>
+              <a:lnRef idx="1">
+                <a:schemeClr val="accent1"/>
+              </a:lnRef>
+              <a:fillRef idx="3">
+                <a:schemeClr val="accent1"/>
+              </a:fillRef>
+              <a:effectRef idx="2">
+                <a:schemeClr val="accent1"/>
+              </a:effectRef>
+              <a:fontRef idx="minor">
+                <a:schemeClr val="lt1"/>
+              </a:fontRef>
+            </p:style>
+            <p:txBody>
+              <a:bodyPr rtlCol="0" anchor="ctr"/>
+              <a:lstStyle/>
+              <a:p>
+                <a:pPr algn="ctr"/>
+                <a:r>
+                  <a:rPr lang="en-US" sz="1100" dirty="0" smtClean="0">
+                    <a:solidFill>
+                      <a:srgbClr val="000000"/>
+                    </a:solidFill>
+                    <a:latin typeface="Arial"/>
+                    <a:cs typeface="Arial"/>
+                  </a:rPr>
+                  <a:t>Transcript View</a:t>
+                </a:r>
+                <a:endParaRPr lang="en-US" sz="1100" dirty="0">
+                  <a:solidFill>
+                    <a:srgbClr val="000000"/>
+                  </a:solidFill>
+                  <a:latin typeface="Arial"/>
+                  <a:cs typeface="Arial"/>
+                </a:endParaRPr>
+              </a:p>
+            </p:txBody>
+          </p:sp>
+          <p:grpSp>
+            <p:nvGrpSpPr>
+              <p:cNvPr id="31" name="Group 30"/>
+              <p:cNvGrpSpPr/>
+              <p:nvPr/>
+            </p:nvGrpSpPr>
+            <p:grpSpPr>
+              <a:xfrm>
+                <a:off x="508230" y="2647949"/>
+                <a:ext cx="3030986" cy="1122926"/>
+                <a:chOff x="508230" y="2705099"/>
+                <a:chExt cx="3030986" cy="1122926"/>
+              </a:xfrm>
+            </p:grpSpPr>
+            <p:pic>
+              <p:nvPicPr>
+                <p:cNvPr id="22" name="Picture 21" descr="Screen Shot 2016-07-20 at 4.26.04 PM (2).png"/>
+                <p:cNvPicPr>
+                  <a:picLocks noChangeAspect="1"/>
+                </p:cNvPicPr>
+                <p:nvPr/>
+              </p:nvPicPr>
+              <p:blipFill rotWithShape="1">
+                <a:blip r:embed="rId5">
+                  <a:extLst>
+                    <a:ext uri="{28A0092B-C50C-407E-A947-70E740481C1C}">
+                      <a14:useLocalDpi xmlns:a14="http://schemas.microsoft.com/office/drawing/2010/main" val="0"/>
+                    </a:ext>
+                  </a:extLst>
+                </a:blip>
+                <a:srcRect l="5473" t="51192" r="61681" b="33808"/>
+                <a:stretch/>
+              </p:blipFill>
+              <p:spPr>
+                <a:xfrm>
+                  <a:off x="508230" y="2705099"/>
+                  <a:ext cx="3003320" cy="771525"/>
+                </a:xfrm>
+                <a:prstGeom prst="rect">
+                  <a:avLst/>
+                </a:prstGeom>
+              </p:spPr>
+            </p:pic>
+            <p:pic>
+              <p:nvPicPr>
+                <p:cNvPr id="24" name="Picture 23" descr="Screen Shot 2016-07-20 at 4.26.04 PM (2).png"/>
+                <p:cNvPicPr>
+                  <a:picLocks noChangeAspect="1"/>
+                </p:cNvPicPr>
+                <p:nvPr/>
+              </p:nvPicPr>
+              <p:blipFill rotWithShape="1">
+                <a:blip r:embed="rId5">
+                  <a:extLst>
+                    <a:ext uri="{28A0092B-C50C-407E-A947-70E740481C1C}">
+                      <a14:useLocalDpi xmlns:a14="http://schemas.microsoft.com/office/drawing/2010/main" val="0"/>
+                    </a:ext>
+                  </a:extLst>
+                </a:blip>
+                <a:srcRect l="23526" t="63991" r="62619" b="33746"/>
+                <a:stretch/>
+              </p:blipFill>
+              <p:spPr>
+                <a:xfrm>
+                  <a:off x="618794" y="3360235"/>
+                  <a:ext cx="1266825" cy="116389"/>
+                </a:xfrm>
+                <a:prstGeom prst="rect">
+                  <a:avLst/>
+                </a:prstGeom>
+              </p:spPr>
+            </p:pic>
+            <p:pic>
+              <p:nvPicPr>
+                <p:cNvPr id="25" name="Picture 24" descr="Screen Shot 2016-07-20 at 4.26.04 PM (2).png"/>
+                <p:cNvPicPr>
+                  <a:picLocks noChangeAspect="1"/>
+                </p:cNvPicPr>
+                <p:nvPr/>
+              </p:nvPicPr>
+              <p:blipFill rotWithShape="1">
+                <a:blip r:embed="rId5">
+                  <a:extLst>
+                    <a:ext uri="{28A0092B-C50C-407E-A947-70E740481C1C}">
+                      <a14:useLocalDpi xmlns:a14="http://schemas.microsoft.com/office/drawing/2010/main" val="0"/>
+                    </a:ext>
+                  </a:extLst>
+                </a:blip>
+                <a:srcRect l="7546" t="66316" r="76642" b="32017"/>
+                <a:stretch/>
+              </p:blipFill>
+              <p:spPr>
+                <a:xfrm>
+                  <a:off x="1949450" y="3381373"/>
+                  <a:ext cx="1463675" cy="86812"/>
+                </a:xfrm>
+                <a:prstGeom prst="rect">
+                  <a:avLst/>
+                </a:prstGeom>
+              </p:spPr>
+            </p:pic>
+            <p:pic>
+              <p:nvPicPr>
+                <p:cNvPr id="27" name="Picture 26" descr="Screen Shot 2016-07-20 at 4.26.04 PM (2).png"/>
+                <p:cNvPicPr>
+                  <a:picLocks noChangeAspect="1"/>
+                </p:cNvPicPr>
+                <p:nvPr/>
+              </p:nvPicPr>
+              <p:blipFill rotWithShape="1">
+                <a:blip r:embed="rId5">
+                  <a:extLst>
+                    <a:ext uri="{28A0092B-C50C-407E-A947-70E740481C1C}">
+                      <a14:useLocalDpi xmlns:a14="http://schemas.microsoft.com/office/drawing/2010/main" val="0"/>
+                    </a:ext>
+                  </a:extLst>
+                </a:blip>
+                <a:srcRect l="23595" t="58415" r="75085" b="39610"/>
+                <a:stretch/>
+              </p:blipFill>
+              <p:spPr>
+                <a:xfrm>
+                  <a:off x="1847850" y="3366585"/>
+                  <a:ext cx="120650" cy="101600"/>
+                </a:xfrm>
+                <a:prstGeom prst="rect">
+                  <a:avLst/>
+                </a:prstGeom>
+              </p:spPr>
+            </p:pic>
+            <p:pic>
+              <p:nvPicPr>
+                <p:cNvPr id="28" name="Picture 27" descr="Screen Shot 2016-07-20 at 4.26.04 PM (2).png"/>
+                <p:cNvPicPr>
+                  <a:picLocks noChangeAspect="1"/>
+                </p:cNvPicPr>
+                <p:nvPr/>
+              </p:nvPicPr>
+              <p:blipFill rotWithShape="1">
+                <a:blip r:embed="rId5">
+                  <a:extLst>
+                    <a:ext uri="{28A0092B-C50C-407E-A947-70E740481C1C}">
+                      <a14:useLocalDpi xmlns:a14="http://schemas.microsoft.com/office/drawing/2010/main" val="0"/>
+                    </a:ext>
+                  </a:extLst>
+                </a:blip>
+                <a:srcRect l="5473" t="67859" r="61379" b="25309"/>
+                <a:stretch/>
+              </p:blipFill>
+              <p:spPr>
+                <a:xfrm>
+                  <a:off x="508230" y="3476624"/>
+                  <a:ext cx="3030986" cy="351401"/>
+                </a:xfrm>
+                <a:prstGeom prst="rect">
+                  <a:avLst/>
+                </a:prstGeom>
+              </p:spPr>
+            </p:pic>
+          </p:grpSp>
+          <p:sp>
+            <p:nvSpPr>
+              <p:cNvPr id="29" name="Rounded Rectangle 28"/>
+              <p:cNvSpPr/>
+              <p:nvPr/>
+            </p:nvSpPr>
+            <p:spPr>
+              <a:xfrm>
+                <a:off x="1798008" y="2798115"/>
+                <a:ext cx="1615117" cy="224483"/>
+              </a:xfrm>
+              <a:prstGeom prst="roundRect">
+                <a:avLst>
+                  <a:gd name="adj" fmla="val 23154"/>
+                </a:avLst>
+              </a:prstGeom>
+              <a:solidFill>
+                <a:srgbClr val="66CCFF"/>
+              </a:solidFill>
+              <a:ln>
+                <a:solidFill>
+                  <a:srgbClr val="000000"/>
+                </a:solidFill>
+              </a:ln>
+              <a:effectLst/>
+            </p:spPr>
+            <p:style>
+              <a:lnRef idx="1">
+                <a:schemeClr val="accent1"/>
+              </a:lnRef>
+              <a:fillRef idx="3">
+                <a:schemeClr val="accent1"/>
+              </a:fillRef>
+              <a:effectRef idx="2">
+                <a:schemeClr val="accent1"/>
+              </a:effectRef>
+              <a:fontRef idx="minor">
+                <a:schemeClr val="lt1"/>
+              </a:fontRef>
+            </p:style>
+            <p:txBody>
+              <a:bodyPr rtlCol="0" anchor="ctr"/>
+              <a:lstStyle/>
+              <a:p>
+                <a:pPr algn="ctr"/>
+                <a:r>
+                  <a:rPr lang="en-US" sz="1100" dirty="0" smtClean="0">
+                    <a:solidFill>
+                      <a:srgbClr val="000000"/>
+                    </a:solidFill>
+                    <a:latin typeface="Arial"/>
+                    <a:cs typeface="Arial"/>
+                  </a:rPr>
+                  <a:t>Alternate Sentences</a:t>
+                </a:r>
+                <a:endParaRPr lang="en-US" sz="1100" dirty="0">
+                  <a:solidFill>
+                    <a:srgbClr val="000000"/>
+                  </a:solidFill>
+                  <a:latin typeface="Arial"/>
+                  <a:cs typeface="Arial"/>
+                </a:endParaRPr>
+              </a:p>
+            </p:txBody>
+          </p:sp>
+        </p:grpSp>
+        <p:sp>
+          <p:nvSpPr>
+            <p:cNvPr id="33" name="Rectangle 32"/>
+            <p:cNvSpPr/>
+            <p:nvPr/>
+          </p:nvSpPr>
+          <p:spPr>
+            <a:xfrm>
+              <a:off x="499532" y="1209859"/>
+              <a:ext cx="6029226" cy="3015327"/>
+            </a:xfrm>
+            <a:prstGeom prst="rect">
+              <a:avLst/>
+            </a:prstGeom>
+            <a:noFill/>
+            <a:ln w="9525" cmpd="sng">
+              <a:solidFill>
+                <a:srgbClr val="000000"/>
+              </a:solidFill>
+            </a:ln>
+            <a:effectLst/>
+          </p:spPr>
+          <p:style>
+            <a:lnRef idx="1">
+              <a:schemeClr val="accent1"/>
+            </a:lnRef>
+            <a:fillRef idx="3">
+              <a:schemeClr val="accent1"/>
+            </a:fillRef>
+            <a:effectRef idx="2">
+              <a:schemeClr val="accent1"/>
+            </a:effectRef>
+            <a:fontRef idx="minor">
+              <a:schemeClr val="lt1"/>
+            </a:fontRef>
+          </p:style>
+          <p:txBody>
+            <a:bodyPr rtlCol="0" anchor="ctr"/>
+            <a:lstStyle/>
+            <a:p>
+              <a:pPr algn="ctr"/>
+              <a:endParaRPr lang="en-US"/>
+            </a:p>
+          </p:txBody>
+        </p:sp>
+      </p:grpSp>
+    </p:spTree>
+    <p:extLst>
+      <p:ext uri="{BB962C8B-B14F-4D97-AF65-F5344CB8AC3E}">
+        <p14:creationId xmlns:p14="http://schemas.microsoft.com/office/powerpoint/2010/main" val="3780316610"/>
       </p:ext>
     </p:extLst>
   </p:cSld>
